--- a/Project_Erich_Li_Peng_Wang.pptx
+++ b/Project_Erich_Li_Peng_Wang.pptx
@@ -5,10 +5,10 @@
     <p:sldMasterId id="2147483660" r:id="rId2"/>
   </p:sldMasterIdLst>
   <p:notesMasterIdLst>
-    <p:notesMasterId r:id="rId13"/>
+    <p:notesMasterId r:id="rId14"/>
   </p:notesMasterIdLst>
   <p:handoutMasterIdLst>
-    <p:handoutMasterId r:id="rId14"/>
+    <p:handoutMasterId r:id="rId15"/>
   </p:handoutMasterIdLst>
   <p:sldIdLst>
     <p:sldId id="257" r:id="rId3"/>
@@ -18,9 +18,10 @@
     <p:sldId id="261" r:id="rId7"/>
     <p:sldId id="264" r:id="rId8"/>
     <p:sldId id="266" r:id="rId9"/>
-    <p:sldId id="265" r:id="rId10"/>
-    <p:sldId id="267" r:id="rId11"/>
-    <p:sldId id="263" r:id="rId12"/>
+    <p:sldId id="268" r:id="rId10"/>
+    <p:sldId id="265" r:id="rId11"/>
+    <p:sldId id="267" r:id="rId12"/>
+    <p:sldId id="263" r:id="rId13"/>
   </p:sldIdLst>
   <p:sldSz cx="12188825" cy="6858000"/>
   <p:notesSz cx="6858000" cy="9144000"/>
@@ -1145,7 +1146,7 @@
     </p:spTree>
     <p:extLst>
       <p:ext uri="{BB962C8B-B14F-4D97-AF65-F5344CB8AC3E}">
-        <p14:creationId xmlns:p14="http://schemas.microsoft.com/office/powerpoint/2010/main" val="1849999663"/>
+        <p14:creationId xmlns:p14="http://schemas.microsoft.com/office/powerpoint/2010/main" val="2691032741"/>
       </p:ext>
     </p:extLst>
   </p:cSld>
@@ -1221,6 +1222,90 @@
             <a:fld id="{6BB98AFB-CB0D-4DFE-87B9-B4B0D0DE73CD}" type="slidenum">
               <a:rPr lang="en-US" smtClean="0"/>
               <a:t>9</a:t>
+            </a:fld>
+            <a:endParaRPr lang="en-US" dirty="0"/>
+          </a:p>
+        </p:txBody>
+      </p:sp>
+    </p:spTree>
+    <p:extLst>
+      <p:ext uri="{BB962C8B-B14F-4D97-AF65-F5344CB8AC3E}">
+        <p14:creationId xmlns:p14="http://schemas.microsoft.com/office/powerpoint/2010/main" val="1849999663"/>
+      </p:ext>
+    </p:extLst>
+  </p:cSld>
+  <p:clrMapOvr>
+    <a:masterClrMapping/>
+  </p:clrMapOvr>
+</p:notes>
+</file>
+
+<file path=ppt/notesSlides/notesSlide7.xml><?xml version="1.0" encoding="utf-8"?>
+<p:notes xmlns:a="http://schemas.openxmlformats.org/drawingml/2006/main" xmlns:r="http://schemas.openxmlformats.org/officeDocument/2006/relationships" xmlns:p="http://schemas.openxmlformats.org/presentationml/2006/main">
+  <p:cSld>
+    <p:spTree>
+      <p:nvGrpSpPr>
+        <p:cNvPr id="1" name=""/>
+        <p:cNvGrpSpPr/>
+        <p:nvPr/>
+      </p:nvGrpSpPr>
+      <p:grpSpPr>
+        <a:xfrm>
+          <a:off x="0" y="0"/>
+          <a:ext cx="0" cy="0"/>
+          <a:chOff x="0" y="0"/>
+          <a:chExt cx="0" cy="0"/>
+        </a:xfrm>
+      </p:grpSpPr>
+      <p:sp>
+        <p:nvSpPr>
+          <p:cNvPr id="2" name="Slide Image Placeholder 1"/>
+          <p:cNvSpPr>
+            <a:spLocks noGrp="1" noRot="1" noChangeAspect="1"/>
+          </p:cNvSpPr>
+          <p:nvPr>
+            <p:ph type="sldImg"/>
+          </p:nvPr>
+        </p:nvSpPr>
+        <p:spPr/>
+      </p:sp>
+      <p:sp>
+        <p:nvSpPr>
+          <p:cNvPr id="3" name="Notes Placeholder 2"/>
+          <p:cNvSpPr>
+            <a:spLocks noGrp="1"/>
+          </p:cNvSpPr>
+          <p:nvPr>
+            <p:ph type="body" idx="1"/>
+          </p:nvPr>
+        </p:nvSpPr>
+        <p:spPr/>
+        <p:txBody>
+          <a:bodyPr/>
+          <a:lstStyle/>
+          <a:p>
+            <a:endParaRPr lang="en-US" dirty="0"/>
+          </a:p>
+        </p:txBody>
+      </p:sp>
+      <p:sp>
+        <p:nvSpPr>
+          <p:cNvPr id="4" name="Slide Number Placeholder 3"/>
+          <p:cNvSpPr>
+            <a:spLocks noGrp="1"/>
+          </p:cNvSpPr>
+          <p:nvPr>
+            <p:ph type="sldNum" sz="quarter" idx="10"/>
+          </p:nvPr>
+        </p:nvSpPr>
+        <p:spPr/>
+        <p:txBody>
+          <a:bodyPr/>
+          <a:lstStyle/>
+          <a:p>
+            <a:fld id="{6BB98AFB-CB0D-4DFE-87B9-B4B0D0DE73CD}" type="slidenum">
+              <a:rPr lang="en-US" smtClean="0"/>
+              <a:t>10</a:t>
             </a:fld>
             <a:endParaRPr lang="en-US" dirty="0"/>
           </a:p>
@@ -4602,6 +4687,163 @@
             <p:ph idx="1"/>
           </p:nvPr>
         </p:nvSpPr>
+        <p:spPr>
+          <a:xfrm>
+            <a:off x="1065212" y="1828800"/>
+            <a:ext cx="9296400" cy="4191000"/>
+          </a:xfrm>
+        </p:spPr>
+        <p:txBody>
+          <a:bodyPr/>
+          <a:lstStyle/>
+          <a:p>
+            <a:r>
+              <a:rPr lang="en-US" dirty="0"/>
+              <a:t>More money needed, less opportunities to be funded</a:t>
+            </a:r>
+          </a:p>
+          <a:p>
+            <a:endParaRPr lang="en-US" dirty="0"/>
+          </a:p>
+          <a:p>
+            <a:endParaRPr lang="en-US" dirty="0"/>
+          </a:p>
+        </p:txBody>
+      </p:sp>
+      <p:sp>
+        <p:nvSpPr>
+          <p:cNvPr id="2" name="Title 1"/>
+          <p:cNvSpPr>
+            <a:spLocks noGrp="1"/>
+          </p:cNvSpPr>
+          <p:nvPr>
+            <p:ph type="title"/>
+          </p:nvPr>
+        </p:nvSpPr>
+        <p:spPr/>
+        <p:txBody>
+          <a:bodyPr/>
+          <a:lstStyle/>
+          <a:p>
+            <a:r>
+              <a:rPr lang="en-US" dirty="0"/>
+              <a:t>Exploration - Startups</a:t>
+            </a:r>
+          </a:p>
+        </p:txBody>
+      </p:sp>
+      <p:pic>
+        <p:nvPicPr>
+          <p:cNvPr id="6" name="Picture 5"/>
+          <p:cNvPicPr>
+            <a:picLocks noChangeAspect="1"/>
+          </p:cNvPicPr>
+          <p:nvPr/>
+        </p:nvPicPr>
+        <p:blipFill>
+          <a:blip r:embed="rId3">
+            <a:extLst>
+              <a:ext uri="{28A0092B-C50C-407E-A947-70E740481C1C}">
+                <a14:useLocalDpi xmlns:a14="http://schemas.microsoft.com/office/drawing/2010/main" val="0"/>
+              </a:ext>
+            </a:extLst>
+          </a:blip>
+          <a:stretch>
+            <a:fillRect/>
+          </a:stretch>
+        </p:blipFill>
+        <p:spPr>
+          <a:xfrm>
+            <a:off x="608895" y="2503280"/>
+            <a:ext cx="5081158" cy="3810868"/>
+          </a:xfrm>
+          <a:prstGeom prst="rect">
+            <a:avLst/>
+          </a:prstGeom>
+        </p:spPr>
+      </p:pic>
+      <p:pic>
+        <p:nvPicPr>
+          <p:cNvPr id="7" name="Picture 6"/>
+          <p:cNvPicPr>
+            <a:picLocks noChangeAspect="1"/>
+          </p:cNvPicPr>
+          <p:nvPr/>
+        </p:nvPicPr>
+        <p:blipFill>
+          <a:blip r:embed="rId4">
+            <a:extLst>
+              <a:ext uri="{28A0092B-C50C-407E-A947-70E740481C1C}">
+                <a14:useLocalDpi xmlns:a14="http://schemas.microsoft.com/office/drawing/2010/main" val="0"/>
+              </a:ext>
+            </a:extLst>
+          </a:blip>
+          <a:stretch>
+            <a:fillRect/>
+          </a:stretch>
+        </p:blipFill>
+        <p:spPr>
+          <a:xfrm>
+            <a:off x="6094412" y="2503280"/>
+            <a:ext cx="4877911" cy="3810868"/>
+          </a:xfrm>
+          <a:prstGeom prst="rect">
+            <a:avLst/>
+          </a:prstGeom>
+        </p:spPr>
+      </p:pic>
+    </p:spTree>
+    <p:extLst>
+      <p:ext uri="{BB962C8B-B14F-4D97-AF65-F5344CB8AC3E}">
+        <p14:creationId xmlns:p14="http://schemas.microsoft.com/office/powerpoint/2010/main" val="1327620096"/>
+      </p:ext>
+    </p:extLst>
+  </p:cSld>
+  <p:clrMapOvr>
+    <a:masterClrMapping/>
+  </p:clrMapOvr>
+  <mc:AlternateContent xmlns:mc="http://schemas.openxmlformats.org/markup-compatibility/2006" xmlns:p14="http://schemas.microsoft.com/office/powerpoint/2010/main">
+    <mc:Choice Requires="p14">
+      <p:transition spd="med" p14:dur="700">
+        <p:fade/>
+      </p:transition>
+    </mc:Choice>
+    <mc:Fallback xmlns="">
+      <p:transition spd="med">
+        <p:fade/>
+      </p:transition>
+    </mc:Fallback>
+  </mc:AlternateContent>
+</p:sld>
+</file>
+
+<file path=ppt/slides/slide11.xml><?xml version="1.0" encoding="utf-8"?>
+<p:sld xmlns:a="http://schemas.openxmlformats.org/drawingml/2006/main" xmlns:r="http://schemas.openxmlformats.org/officeDocument/2006/relationships" xmlns:p="http://schemas.openxmlformats.org/presentationml/2006/main">
+  <p:cSld>
+    <p:spTree>
+      <p:nvGrpSpPr>
+        <p:cNvPr id="1" name=""/>
+        <p:cNvGrpSpPr/>
+        <p:nvPr/>
+      </p:nvGrpSpPr>
+      <p:grpSpPr>
+        <a:xfrm>
+          <a:off x="0" y="0"/>
+          <a:ext cx="0" cy="0"/>
+          <a:chOff x="0" y="0"/>
+          <a:chExt cx="0" cy="0"/>
+        </a:xfrm>
+      </p:grpSpPr>
+      <p:sp>
+        <p:nvSpPr>
+          <p:cNvPr id="3" name="Content Placeholder 2"/>
+          <p:cNvSpPr>
+            <a:spLocks noGrp="1"/>
+          </p:cNvSpPr>
+          <p:nvPr>
+            <p:ph idx="1"/>
+          </p:nvPr>
+        </p:nvSpPr>
         <p:spPr/>
         <p:txBody>
           <a:bodyPr/>
@@ -5218,7 +5460,7 @@
         </p:blipFill>
         <p:spPr>
           <a:xfrm>
-            <a:off x="5408612" y="3437301"/>
+            <a:off x="5637212" y="3308236"/>
             <a:ext cx="4674839" cy="3069228"/>
           </a:xfrm>
           <a:prstGeom prst="rect">
@@ -5467,21 +5709,29 @@
             <p:ph idx="1"/>
           </p:nvPr>
         </p:nvSpPr>
-        <p:spPr/>
+        <p:spPr>
+          <a:xfrm>
+            <a:off x="1065212" y="1828800"/>
+            <a:ext cx="9448800" cy="4191000"/>
+          </a:xfrm>
+        </p:spPr>
         <p:txBody>
           <a:bodyPr/>
           <a:lstStyle/>
           <a:p>
             <a:r>
               <a:rPr lang="en-US" dirty="0"/>
-              <a:t>Evidence that VC’s often invest small amounts alone, especially very early and very late</a:t>
-            </a:r>
-          </a:p>
-          <a:p>
-            <a:r>
-              <a:rPr lang="en-US" dirty="0"/>
-              <a:t>Decreasing trend of co-investments,  stable as a percentage of dollar amount invested</a:t>
-            </a:r>
+              <a:t>Co-investment is common among VC. Even industry leaders do most of their investments by co-investing</a:t>
+            </a:r>
+          </a:p>
+          <a:p>
+            <a:r>
+              <a:rPr lang="en-US" altLang="zh-CN" dirty="0"/>
+              <a:t>VC tends to invest small amounts alone, especially during the early rounds</a:t>
+            </a:r>
+          </a:p>
+          <a:p>
+            <a:endParaRPr lang="en-US" dirty="0"/>
           </a:p>
           <a:p>
             <a:endParaRPr lang="en-US" dirty="0"/>
@@ -5512,7 +5762,7 @@
       </p:sp>
       <p:pic>
         <p:nvPicPr>
-          <p:cNvPr id="4" name="Picture 3"/>
+          <p:cNvPr id="6" name="Picture 5"/>
           <p:cNvPicPr>
             <a:picLocks noChangeAspect="1"/>
           </p:cNvPicPr>
@@ -5532,8 +5782,8 @@
         </p:blipFill>
         <p:spPr>
           <a:xfrm>
-            <a:off x="684212" y="3429000"/>
-            <a:ext cx="4063876" cy="3319014"/>
+            <a:off x="5759449" y="3200400"/>
+            <a:ext cx="3958319" cy="3883633"/>
           </a:xfrm>
           <a:prstGeom prst="rect">
             <a:avLst/>
@@ -5542,7 +5792,7 @@
       </p:pic>
       <p:pic>
         <p:nvPicPr>
-          <p:cNvPr id="6" name="Picture 5"/>
+          <p:cNvPr id="5" name="图片 4" descr="AOPXV8fNeElSAAAAAElFTkSuQmCC.png"/>
           <p:cNvPicPr>
             <a:picLocks noChangeAspect="1"/>
           </p:cNvPicPr>
@@ -5562,8 +5812,8 @@
         </p:blipFill>
         <p:spPr>
           <a:xfrm>
-            <a:off x="5759449" y="3429000"/>
-            <a:ext cx="3958319" cy="3883633"/>
+            <a:off x="1141412" y="3200400"/>
+            <a:ext cx="3886200" cy="4420421"/>
           </a:xfrm>
           <a:prstGeom prst="rect">
             <a:avLst/>
@@ -5596,6 +5846,161 @@
 </file>
 
 <file path=ppt/slides/slide8.xml><?xml version="1.0" encoding="utf-8"?>
+<p:sld xmlns:a="http://schemas.openxmlformats.org/drawingml/2006/main" xmlns:r="http://schemas.openxmlformats.org/officeDocument/2006/relationships" xmlns:p="http://schemas.openxmlformats.org/presentationml/2006/main">
+  <p:cSld>
+    <p:spTree>
+      <p:nvGrpSpPr>
+        <p:cNvPr id="1" name=""/>
+        <p:cNvGrpSpPr/>
+        <p:nvPr/>
+      </p:nvGrpSpPr>
+      <p:grpSpPr>
+        <a:xfrm>
+          <a:off x="0" y="0"/>
+          <a:ext cx="0" cy="0"/>
+          <a:chOff x="0" y="0"/>
+          <a:chExt cx="0" cy="0"/>
+        </a:xfrm>
+      </p:grpSpPr>
+      <p:sp>
+        <p:nvSpPr>
+          <p:cNvPr id="3" name="Content Placeholder 2"/>
+          <p:cNvSpPr>
+            <a:spLocks noGrp="1"/>
+          </p:cNvSpPr>
+          <p:nvPr>
+            <p:ph idx="1"/>
+          </p:nvPr>
+        </p:nvSpPr>
+        <p:spPr/>
+        <p:txBody>
+          <a:bodyPr/>
+          <a:lstStyle/>
+          <a:p>
+            <a:r>
+              <a:rPr lang="en-US" dirty="0"/>
+              <a:t>The number of co-investment events decreased</a:t>
+            </a:r>
+          </a:p>
+          <a:p>
+            <a:r>
+              <a:rPr lang="en-US" dirty="0"/>
+              <a:t>The pattern of co-investments stable as a percentage of dollar amount invested</a:t>
+            </a:r>
+          </a:p>
+          <a:p>
+            <a:endParaRPr lang="en-US" dirty="0"/>
+          </a:p>
+        </p:txBody>
+      </p:sp>
+      <p:sp>
+        <p:nvSpPr>
+          <p:cNvPr id="2" name="Title 1"/>
+          <p:cNvSpPr>
+            <a:spLocks noGrp="1"/>
+          </p:cNvSpPr>
+          <p:nvPr>
+            <p:ph type="title"/>
+          </p:nvPr>
+        </p:nvSpPr>
+        <p:spPr/>
+        <p:txBody>
+          <a:bodyPr/>
+          <a:lstStyle/>
+          <a:p>
+            <a:r>
+              <a:rPr lang="en-US" dirty="0"/>
+              <a:t>Exploration – Co-Investment</a:t>
+            </a:r>
+          </a:p>
+        </p:txBody>
+      </p:sp>
+      <p:pic>
+        <p:nvPicPr>
+          <p:cNvPr id="4" name="Picture 3"/>
+          <p:cNvPicPr>
+            <a:picLocks noChangeAspect="1"/>
+          </p:cNvPicPr>
+          <p:nvPr/>
+        </p:nvPicPr>
+        <p:blipFill>
+          <a:blip r:embed="rId3">
+            <a:extLst>
+              <a:ext uri="{28A0092B-C50C-407E-A947-70E740481C1C}">
+                <a14:useLocalDpi xmlns:a14="http://schemas.microsoft.com/office/drawing/2010/main" val="0"/>
+              </a:ext>
+            </a:extLst>
+          </a:blip>
+          <a:stretch>
+            <a:fillRect/>
+          </a:stretch>
+        </p:blipFill>
+        <p:spPr>
+          <a:xfrm>
+            <a:off x="684212" y="3325176"/>
+            <a:ext cx="4191000" cy="3422838"/>
+          </a:xfrm>
+          <a:prstGeom prst="rect">
+            <a:avLst/>
+          </a:prstGeom>
+        </p:spPr>
+      </p:pic>
+      <p:pic>
+        <p:nvPicPr>
+          <p:cNvPr id="5" name="图片 4" descr="Y9B6gqBOwqMJgno4E3gojEywJRJzNEHwDiDpNUYOax3PutDezLp1BUEJROgsCIIg6CsROguCIAj6ShiaIAiCoK+EoQmCIAj6ShiaIAiCoK+EoQmCIAj6yv8AwTEByMS0hNkAAAAASUVORK5CYII=.png"/>
+          <p:cNvPicPr>
+            <a:picLocks noChangeAspect="1"/>
+          </p:cNvPicPr>
+          <p:nvPr/>
+        </p:nvPicPr>
+        <p:blipFill>
+          <a:blip r:embed="rId4">
+            <a:extLst>
+              <a:ext uri="{28A0092B-C50C-407E-A947-70E740481C1C}">
+                <a14:useLocalDpi xmlns:a14="http://schemas.microsoft.com/office/drawing/2010/main" val="0"/>
+              </a:ext>
+            </a:extLst>
+          </a:blip>
+          <a:stretch>
+            <a:fillRect/>
+          </a:stretch>
+        </p:blipFill>
+        <p:spPr>
+          <a:xfrm>
+            <a:off x="5027611" y="3429000"/>
+            <a:ext cx="4602793" cy="3278087"/>
+          </a:xfrm>
+          <a:prstGeom prst="rect">
+            <a:avLst/>
+          </a:prstGeom>
+        </p:spPr>
+      </p:pic>
+    </p:spTree>
+    <p:extLst>
+      <p:ext uri="{BB962C8B-B14F-4D97-AF65-F5344CB8AC3E}">
+        <p14:creationId xmlns:p14="http://schemas.microsoft.com/office/powerpoint/2010/main" val="340470125"/>
+      </p:ext>
+    </p:extLst>
+  </p:cSld>
+  <p:clrMapOvr>
+    <a:masterClrMapping/>
+  </p:clrMapOvr>
+  <mc:AlternateContent xmlns:mc="http://schemas.openxmlformats.org/markup-compatibility/2006" xmlns:p14="http://schemas.microsoft.com/office/powerpoint/2010/main">
+    <mc:Choice Requires="p14">
+      <p:transition spd="med" p14:dur="700">
+        <p:fade/>
+      </p:transition>
+    </mc:Choice>
+    <mc:Fallback xmlns="">
+      <p:transition spd="med">
+        <p:fade/>
+      </p:transition>
+    </mc:Fallback>
+  </mc:AlternateContent>
+</p:sld>
+</file>
+
+<file path=ppt/slides/slide9.xml><?xml version="1.0" encoding="utf-8"?>
 <p:sld xmlns:a="http://schemas.openxmlformats.org/drawingml/2006/main" xmlns:r="http://schemas.openxmlformats.org/officeDocument/2006/relationships" xmlns:p="http://schemas.openxmlformats.org/presentationml/2006/main">
   <p:cSld>
     <p:spTree>
@@ -5752,163 +6157,6 @@
 </p:sld>
 </file>
 
-<file path=ppt/slides/slide9.xml><?xml version="1.0" encoding="utf-8"?>
-<p:sld xmlns:a="http://schemas.openxmlformats.org/drawingml/2006/main" xmlns:r="http://schemas.openxmlformats.org/officeDocument/2006/relationships" xmlns:p="http://schemas.openxmlformats.org/presentationml/2006/main">
-  <p:cSld>
-    <p:spTree>
-      <p:nvGrpSpPr>
-        <p:cNvPr id="1" name=""/>
-        <p:cNvGrpSpPr/>
-        <p:nvPr/>
-      </p:nvGrpSpPr>
-      <p:grpSpPr>
-        <a:xfrm>
-          <a:off x="0" y="0"/>
-          <a:ext cx="0" cy="0"/>
-          <a:chOff x="0" y="0"/>
-          <a:chExt cx="0" cy="0"/>
-        </a:xfrm>
-      </p:grpSpPr>
-      <p:sp>
-        <p:nvSpPr>
-          <p:cNvPr id="3" name="Content Placeholder 2"/>
-          <p:cNvSpPr>
-            <a:spLocks noGrp="1"/>
-          </p:cNvSpPr>
-          <p:nvPr>
-            <p:ph idx="1"/>
-          </p:nvPr>
-        </p:nvSpPr>
-        <p:spPr>
-          <a:xfrm>
-            <a:off x="1065212" y="1828800"/>
-            <a:ext cx="9296400" cy="4191000"/>
-          </a:xfrm>
-        </p:spPr>
-        <p:txBody>
-          <a:bodyPr/>
-          <a:lstStyle/>
-          <a:p>
-            <a:r>
-              <a:rPr lang="en-US" dirty="0"/>
-              <a:t>More money needed, less opportunities to be funded</a:t>
-            </a:r>
-          </a:p>
-          <a:p>
-            <a:endParaRPr lang="en-US" dirty="0"/>
-          </a:p>
-          <a:p>
-            <a:endParaRPr lang="en-US" dirty="0"/>
-          </a:p>
-        </p:txBody>
-      </p:sp>
-      <p:sp>
-        <p:nvSpPr>
-          <p:cNvPr id="2" name="Title 1"/>
-          <p:cNvSpPr>
-            <a:spLocks noGrp="1"/>
-          </p:cNvSpPr>
-          <p:nvPr>
-            <p:ph type="title"/>
-          </p:nvPr>
-        </p:nvSpPr>
-        <p:spPr/>
-        <p:txBody>
-          <a:bodyPr/>
-          <a:lstStyle/>
-          <a:p>
-            <a:r>
-              <a:rPr lang="en-US" dirty="0"/>
-              <a:t>Exploration - Startups</a:t>
-            </a:r>
-          </a:p>
-        </p:txBody>
-      </p:sp>
-      <p:pic>
-        <p:nvPicPr>
-          <p:cNvPr id="6" name="Picture 5"/>
-          <p:cNvPicPr>
-            <a:picLocks noChangeAspect="1"/>
-          </p:cNvPicPr>
-          <p:nvPr/>
-        </p:nvPicPr>
-        <p:blipFill>
-          <a:blip r:embed="rId3">
-            <a:extLst>
-              <a:ext uri="{28A0092B-C50C-407E-A947-70E740481C1C}">
-                <a14:useLocalDpi xmlns:a14="http://schemas.microsoft.com/office/drawing/2010/main" val="0"/>
-              </a:ext>
-            </a:extLst>
-          </a:blip>
-          <a:stretch>
-            <a:fillRect/>
-          </a:stretch>
-        </p:blipFill>
-        <p:spPr>
-          <a:xfrm>
-            <a:off x="608895" y="2503280"/>
-            <a:ext cx="5081158" cy="3810868"/>
-          </a:xfrm>
-          <a:prstGeom prst="rect">
-            <a:avLst/>
-          </a:prstGeom>
-        </p:spPr>
-      </p:pic>
-      <p:pic>
-        <p:nvPicPr>
-          <p:cNvPr id="7" name="Picture 6"/>
-          <p:cNvPicPr>
-            <a:picLocks noChangeAspect="1"/>
-          </p:cNvPicPr>
-          <p:nvPr/>
-        </p:nvPicPr>
-        <p:blipFill>
-          <a:blip r:embed="rId4">
-            <a:extLst>
-              <a:ext uri="{28A0092B-C50C-407E-A947-70E740481C1C}">
-                <a14:useLocalDpi xmlns:a14="http://schemas.microsoft.com/office/drawing/2010/main" val="0"/>
-              </a:ext>
-            </a:extLst>
-          </a:blip>
-          <a:stretch>
-            <a:fillRect/>
-          </a:stretch>
-        </p:blipFill>
-        <p:spPr>
-          <a:xfrm>
-            <a:off x="6094412" y="2503280"/>
-            <a:ext cx="4877911" cy="3810868"/>
-          </a:xfrm>
-          <a:prstGeom prst="rect">
-            <a:avLst/>
-          </a:prstGeom>
-        </p:spPr>
-      </p:pic>
-    </p:spTree>
-    <p:extLst>
-      <p:ext uri="{BB962C8B-B14F-4D97-AF65-F5344CB8AC3E}">
-        <p14:creationId xmlns:p14="http://schemas.microsoft.com/office/powerpoint/2010/main" val="1327620096"/>
-      </p:ext>
-    </p:extLst>
-  </p:cSld>
-  <p:clrMapOvr>
-    <a:masterClrMapping/>
-  </p:clrMapOvr>
-  <mc:AlternateContent xmlns:mc="http://schemas.openxmlformats.org/markup-compatibility/2006" xmlns:p14="http://schemas.microsoft.com/office/powerpoint/2010/main">
-    <mc:Choice Requires="p14">
-      <p:transition spd="med" p14:dur="700">
-        <p:fade/>
-      </p:transition>
-    </mc:Choice>
-    <mc:Fallback xmlns="">
-      <p:transition spd="med">
-        <p:fade/>
-      </p:transition>
-    </mc:Fallback>
-  </mc:AlternateContent>
-</p:sld>
-</file>
-
 <file path=ppt/theme/theme1.xml><?xml version="1.0" encoding="utf-8"?>
 <a:theme xmlns:a="http://schemas.openxmlformats.org/drawingml/2006/main" name="Business strategy presentation">
   <a:themeElements>
@@ -5952,7 +6200,7 @@
     </a:clrScheme>
     <a:fontScheme name="Century Gothic-Palatino Linotype">
       <a:majorFont>
-        <a:latin typeface="Century Gothic" panose="020B0502020202020204"/>
+        <a:latin typeface="Century Gothic"/>
         <a:ea typeface=""/>
         <a:cs typeface=""/>
         <a:font script="Jpan" typeface="ＭＳ ゴシック"/>
@@ -5987,7 +6235,7 @@
         <a:font script="Geor" typeface="Sylfaen"/>
       </a:majorFont>
       <a:minorFont>
-        <a:latin typeface="Palatino Linotype" panose="02040502050505030304"/>
+        <a:latin typeface="Palatino Linotype"/>
         <a:ea typeface=""/>
         <a:cs typeface=""/>
         <a:font script="Jpan" typeface="ＭＳ ゴシック"/>
@@ -6278,7 +6526,7 @@
     </a:clrScheme>
     <a:fontScheme name="Century Gothic-Palatino Linotype">
       <a:majorFont>
-        <a:latin typeface="Century Gothic" panose="020B0502020202020204"/>
+        <a:latin typeface="Century Gothic"/>
         <a:ea typeface=""/>
         <a:cs typeface=""/>
         <a:font script="Jpan" typeface="ＭＳ ゴシック"/>
@@ -6313,7 +6561,7 @@
         <a:font script="Geor" typeface="Sylfaen"/>
       </a:majorFont>
       <a:minorFont>
-        <a:latin typeface="Palatino Linotype" panose="02040502050505030304"/>
+        <a:latin typeface="Palatino Linotype"/>
         <a:ea typeface=""/>
         <a:cs typeface=""/>
         <a:font script="Jpan" typeface="ＭＳ ゴシック"/>
@@ -6534,7 +6782,7 @@
     </a:clrScheme>
     <a:fontScheme name="Century Gothic-Palatino Linotype">
       <a:majorFont>
-        <a:latin typeface="Century Gothic" panose="020B0502020202020204"/>
+        <a:latin typeface="Century Gothic"/>
         <a:ea typeface=""/>
         <a:cs typeface=""/>
         <a:font script="Jpan" typeface="ＭＳ ゴシック"/>
@@ -6569,7 +6817,7 @@
         <a:font script="Geor" typeface="Sylfaen"/>
       </a:majorFont>
       <a:minorFont>
-        <a:latin typeface="Palatino Linotype" panose="02040502050505030304"/>
+        <a:latin typeface="Palatino Linotype"/>
         <a:ea typeface=""/>
         <a:cs typeface=""/>
         <a:font script="Jpan" typeface="ＭＳ ゴシック"/>

--- a/Project_Erich_Li_Peng_Wang.pptx
+++ b/Project_Erich_Li_Peng_Wang.pptx
@@ -284,7 +284,7 @@
           <a:p>
             <a:fld id="{24CE221E-83ED-4F6C-BA5F-3F9E6FDB6953}" type="datetimeFigureOut">
               <a:rPr lang="en-US"/>
-              <a:t>8/7/2016</a:t>
+              <a:t>8/8/2016</a:t>
             </a:fld>
             <a:endParaRPr dirty="0"/>
           </a:p>
@@ -449,7 +449,7 @@
           <a:p>
             <a:fld id="{97853E5F-CE67-483C-A264-F17AC70E9CA2}" type="datetimeFigureOut">
               <a:rPr lang="en-US"/>
-              <a:t>8/7/2016</a:t>
+              <a:t>8/8/2016</a:t>
             </a:fld>
             <a:endParaRPr dirty="0"/>
           </a:p>
@@ -1377,7 +1377,7 @@
           <a:p>
             <a:fld id="{3E0FA9E5-6744-4841-888F-9E7CC0C2B7EC}" type="datetimeFigureOut">
               <a:rPr lang="en-US" smtClean="0"/>
-              <a:t>8/7/2016</a:t>
+              <a:t>8/8/2016</a:t>
             </a:fld>
             <a:endParaRPr lang="en-US" dirty="0"/>
           </a:p>
@@ -1654,7 +1654,7 @@
           <a:p>
             <a:fld id="{3E0FA9E5-6744-4841-888F-9E7CC0C2B7EC}" type="datetimeFigureOut">
               <a:rPr lang="en-US" smtClean="0"/>
-              <a:t>8/7/2016</a:t>
+              <a:t>8/8/2016</a:t>
             </a:fld>
             <a:endParaRPr lang="en-US" dirty="0"/>
           </a:p>
@@ -1836,7 +1836,7 @@
           <a:p>
             <a:fld id="{3E0FA9E5-6744-4841-888F-9E7CC0C2B7EC}" type="datetimeFigureOut">
               <a:rPr lang="en-US" smtClean="0"/>
-              <a:t>8/7/2016</a:t>
+              <a:t>8/8/2016</a:t>
             </a:fld>
             <a:endParaRPr lang="en-US" dirty="0"/>
           </a:p>
@@ -2028,7 +2028,7 @@
           <a:p>
             <a:fld id="{3E0FA9E5-6744-4841-888F-9E7CC0C2B7EC}" type="datetimeFigureOut">
               <a:rPr lang="en-US" smtClean="0"/>
-              <a:t>8/7/2016</a:t>
+              <a:t>8/8/2016</a:t>
             </a:fld>
             <a:endParaRPr lang="en-US" dirty="0"/>
           </a:p>
@@ -2210,7 +2210,7 @@
           <a:p>
             <a:fld id="{3E0FA9E5-6744-4841-888F-9E7CC0C2B7EC}" type="datetimeFigureOut">
               <a:rPr lang="en-US" smtClean="0"/>
-              <a:t>8/7/2016</a:t>
+              <a:t>8/8/2016</a:t>
             </a:fld>
             <a:endParaRPr lang="en-US" dirty="0"/>
           </a:p>
@@ -2476,7 +2476,7 @@
           <a:p>
             <a:fld id="{3E0FA9E5-6744-4841-888F-9E7CC0C2B7EC}" type="datetimeFigureOut">
               <a:rPr lang="en-US" smtClean="0"/>
-              <a:t>8/7/2016</a:t>
+              <a:t>8/8/2016</a:t>
             </a:fld>
             <a:endParaRPr lang="en-US" dirty="0"/>
           </a:p>
@@ -2780,7 +2780,7 @@
           <a:p>
             <a:fld id="{3E0FA9E5-6744-4841-888F-9E7CC0C2B7EC}" type="datetimeFigureOut">
               <a:rPr lang="en-US" smtClean="0"/>
-              <a:t>8/7/2016</a:t>
+              <a:t>8/8/2016</a:t>
             </a:fld>
             <a:endParaRPr lang="en-US" dirty="0"/>
           </a:p>
@@ -3233,7 +3233,7 @@
           <a:p>
             <a:fld id="{3E0FA9E5-6744-4841-888F-9E7CC0C2B7EC}" type="datetimeFigureOut">
               <a:rPr lang="en-US" smtClean="0"/>
-              <a:t>8/7/2016</a:t>
+              <a:t>8/8/2016</a:t>
             </a:fld>
             <a:endParaRPr lang="en-US" dirty="0"/>
           </a:p>
@@ -3363,7 +3363,7 @@
           <a:p>
             <a:fld id="{3E0FA9E5-6744-4841-888F-9E7CC0C2B7EC}" type="datetimeFigureOut">
               <a:rPr lang="en-US" smtClean="0"/>
-              <a:t>8/7/2016</a:t>
+              <a:t>8/8/2016</a:t>
             </a:fld>
             <a:endParaRPr lang="en-US" dirty="0"/>
           </a:p>
@@ -3470,7 +3470,7 @@
           <a:p>
             <a:fld id="{3E0FA9E5-6744-4841-888F-9E7CC0C2B7EC}" type="datetimeFigureOut">
               <a:rPr lang="en-US" smtClean="0"/>
-              <a:t>8/7/2016</a:t>
+              <a:t>8/8/2016</a:t>
             </a:fld>
             <a:endParaRPr lang="en-US" dirty="0"/>
           </a:p>
@@ -4034,7 +4034,7 @@
             <a:fld id="{3E0FA9E5-6744-4841-888F-9E7CC0C2B7EC}" type="datetimeFigureOut">
               <a:rPr lang="en-US" smtClean="0"/>
               <a:pPr/>
-              <a:t>8/7/2016</a:t>
+              <a:t>8/8/2016</a:t>
             </a:fld>
             <a:endParaRPr lang="en-US" dirty="0"/>
           </a:p>
@@ -5879,7 +5879,7 @@
           <a:p>
             <a:r>
               <a:rPr lang="en-US" dirty="0"/>
-              <a:t>The number of co-investment events decreased</a:t>
+              <a:t>The percentage of co-investment events decreased</a:t>
             </a:r>
           </a:p>
           <a:p>
